--- a/session-2-ggplot/session-2-ggplot.pptx
+++ b/session-2-ggplot/session-2-ggplot.pptx
@@ -317,7 +317,7 @@
           <a:p>
             <a:fld id="{FED704DD-ECE8-4EBA-89AC-54C15DA6AD2B}" type="datetimeFigureOut">
               <a:rPr lang="en-US" smtClean="0"/>
-              <a:t>2/12/2023</a:t>
+              <a:t>2/15/2023</a:t>
             </a:fld>
             <a:endParaRPr lang="en-US"/>
           </a:p>
@@ -485,7 +485,7 @@
           <a:p>
             <a:fld id="{FED704DD-ECE8-4EBA-89AC-54C15DA6AD2B}" type="datetimeFigureOut">
               <a:rPr lang="en-US" smtClean="0"/>
-              <a:t>2/12/2023</a:t>
+              <a:t>2/15/2023</a:t>
             </a:fld>
             <a:endParaRPr lang="en-US"/>
           </a:p>
@@ -663,7 +663,7 @@
           <a:p>
             <a:fld id="{FED704DD-ECE8-4EBA-89AC-54C15DA6AD2B}" type="datetimeFigureOut">
               <a:rPr lang="en-US" smtClean="0"/>
-              <a:t>2/12/2023</a:t>
+              <a:t>2/15/2023</a:t>
             </a:fld>
             <a:endParaRPr lang="en-US"/>
           </a:p>
@@ -831,7 +831,7 @@
           <a:p>
             <a:fld id="{FED704DD-ECE8-4EBA-89AC-54C15DA6AD2B}" type="datetimeFigureOut">
               <a:rPr lang="en-US" smtClean="0"/>
-              <a:t>2/12/2023</a:t>
+              <a:t>2/15/2023</a:t>
             </a:fld>
             <a:endParaRPr lang="en-US"/>
           </a:p>
@@ -1076,7 +1076,7 @@
           <a:p>
             <a:fld id="{FED704DD-ECE8-4EBA-89AC-54C15DA6AD2B}" type="datetimeFigureOut">
               <a:rPr lang="en-US" smtClean="0"/>
-              <a:t>2/12/2023</a:t>
+              <a:t>2/15/2023</a:t>
             </a:fld>
             <a:endParaRPr lang="en-US"/>
           </a:p>
@@ -1361,7 +1361,7 @@
           <a:p>
             <a:fld id="{FED704DD-ECE8-4EBA-89AC-54C15DA6AD2B}" type="datetimeFigureOut">
               <a:rPr lang="en-US" smtClean="0"/>
-              <a:t>2/12/2023</a:t>
+              <a:t>2/15/2023</a:t>
             </a:fld>
             <a:endParaRPr lang="en-US"/>
           </a:p>
@@ -1780,7 +1780,7 @@
           <a:p>
             <a:fld id="{FED704DD-ECE8-4EBA-89AC-54C15DA6AD2B}" type="datetimeFigureOut">
               <a:rPr lang="en-US" smtClean="0"/>
-              <a:t>2/12/2023</a:t>
+              <a:t>2/15/2023</a:t>
             </a:fld>
             <a:endParaRPr lang="en-US"/>
           </a:p>
@@ -1897,7 +1897,7 @@
           <a:p>
             <a:fld id="{FED704DD-ECE8-4EBA-89AC-54C15DA6AD2B}" type="datetimeFigureOut">
               <a:rPr lang="en-US" smtClean="0"/>
-              <a:t>2/12/2023</a:t>
+              <a:t>2/15/2023</a:t>
             </a:fld>
             <a:endParaRPr lang="en-US"/>
           </a:p>
@@ -1992,7 +1992,7 @@
           <a:p>
             <a:fld id="{FED704DD-ECE8-4EBA-89AC-54C15DA6AD2B}" type="datetimeFigureOut">
               <a:rPr lang="en-US" smtClean="0"/>
-              <a:t>2/12/2023</a:t>
+              <a:t>2/15/2023</a:t>
             </a:fld>
             <a:endParaRPr lang="en-US"/>
           </a:p>
@@ -2267,7 +2267,7 @@
           <a:p>
             <a:fld id="{FED704DD-ECE8-4EBA-89AC-54C15DA6AD2B}" type="datetimeFigureOut">
               <a:rPr lang="en-US" smtClean="0"/>
-              <a:t>2/12/2023</a:t>
+              <a:t>2/15/2023</a:t>
             </a:fld>
             <a:endParaRPr lang="en-US"/>
           </a:p>
@@ -2519,7 +2519,7 @@
           <a:p>
             <a:fld id="{FED704DD-ECE8-4EBA-89AC-54C15DA6AD2B}" type="datetimeFigureOut">
               <a:rPr lang="en-US" smtClean="0"/>
-              <a:t>2/12/2023</a:t>
+              <a:t>2/15/2023</a:t>
             </a:fld>
             <a:endParaRPr lang="en-US"/>
           </a:p>
@@ -2730,7 +2730,7 @@
           <a:p>
             <a:fld id="{FED704DD-ECE8-4EBA-89AC-54C15DA6AD2B}" type="datetimeFigureOut">
               <a:rPr lang="en-US" smtClean="0"/>
-              <a:t>2/12/2023</a:t>
+              <a:t>2/15/2023</a:t>
             </a:fld>
             <a:endParaRPr lang="en-US"/>
           </a:p>
@@ -5059,8 +5059,13 @@
             </a:br>
             <a:r>
               <a:rPr lang="en-US" dirty="0"/>
-              <a:t>Data Wrangling</a:t>
-            </a:r>
+              <a:t>Visualizations with </a:t>
+            </a:r>
+            <a:r>
+              <a:rPr lang="en-US" dirty="0" err="1"/>
+              <a:t>ggplot</a:t>
+            </a:r>
+            <a:endParaRPr lang="en-US" dirty="0"/>
           </a:p>
         </p:txBody>
       </p:sp>
